--- a/Slide.pptx
+++ b/Slide.pptx
@@ -146,7 +146,7 @@
   <pc:docChgLst>
     <pc:chgData name="NGUYỄN HOÀNG ANH" userId="4348d14c-3365-4502-8caf-233782dc487b" providerId="ADAL" clId="{6D8EC088-C7B1-46FE-BDD3-B8069C997B17}"/>
     <pc:docChg chg="undo custSel modSld">
-      <pc:chgData name="NGUYỄN HOÀNG ANH" userId="4348d14c-3365-4502-8caf-233782dc487b" providerId="ADAL" clId="{6D8EC088-C7B1-46FE-BDD3-B8069C997B17}" dt="2022-11-07T02:40:09.999" v="749" actId="1076"/>
+      <pc:chgData name="NGUYỄN HOÀNG ANH" userId="4348d14c-3365-4502-8caf-233782dc487b" providerId="ADAL" clId="{6D8EC088-C7B1-46FE-BDD3-B8069C997B17}" dt="2022-11-07T15:20:41.821" v="1862" actId="14826"/>
       <pc:docMkLst>
         <pc:docMk/>
       </pc:docMkLst>
@@ -412,7 +412,7 @@
         </pc:picChg>
       </pc:sldChg>
       <pc:sldChg chg="addSp delSp modSp mod">
-        <pc:chgData name="NGUYỄN HOÀNG ANH" userId="4348d14c-3365-4502-8caf-233782dc487b" providerId="ADAL" clId="{6D8EC088-C7B1-46FE-BDD3-B8069C997B17}" dt="2022-11-07T02:39:22.800" v="708" actId="14826"/>
+        <pc:chgData name="NGUYỄN HOÀNG ANH" userId="4348d14c-3365-4502-8caf-233782dc487b" providerId="ADAL" clId="{6D8EC088-C7B1-46FE-BDD3-B8069C997B17}" dt="2022-11-07T15:09:16.386" v="782" actId="20577"/>
         <pc:sldMkLst>
           <pc:docMk/>
           <pc:sldMk cId="3371627418" sldId="262"/>
@@ -434,7 +434,7 @@
           </ac:spMkLst>
         </pc:spChg>
         <pc:spChg chg="mod">
-          <ac:chgData name="NGUYỄN HOÀNG ANH" userId="4348d14c-3365-4502-8caf-233782dc487b" providerId="ADAL" clId="{6D8EC088-C7B1-46FE-BDD3-B8069C997B17}" dt="2022-11-07T02:29:17.732" v="682" actId="14100"/>
+          <ac:chgData name="NGUYỄN HOÀNG ANH" userId="4348d14c-3365-4502-8caf-233782dc487b" providerId="ADAL" clId="{6D8EC088-C7B1-46FE-BDD3-B8069C997B17}" dt="2022-11-07T15:09:16.386" v="782" actId="20577"/>
           <ac:spMkLst>
             <pc:docMk/>
             <pc:sldMk cId="3371627418" sldId="262"/>
@@ -466,20 +466,44 @@
           </ac:picMkLst>
         </pc:picChg>
       </pc:sldChg>
-      <pc:sldChg chg="modSp mod">
-        <pc:chgData name="NGUYỄN HOÀNG ANH" userId="4348d14c-3365-4502-8caf-233782dc487b" providerId="ADAL" clId="{6D8EC088-C7B1-46FE-BDD3-B8069C997B17}" dt="2022-11-07T02:40:09.999" v="749" actId="1076"/>
+      <pc:sldChg chg="modSp mod modAnim">
+        <pc:chgData name="NGUYỄN HOÀNG ANH" userId="4348d14c-3365-4502-8caf-233782dc487b" providerId="ADAL" clId="{6D8EC088-C7B1-46FE-BDD3-B8069C997B17}" dt="2022-11-07T15:20:41.821" v="1862" actId="14826"/>
         <pc:sldMkLst>
           <pc:docMk/>
           <pc:sldMk cId="289223074" sldId="263"/>
         </pc:sldMkLst>
         <pc:spChg chg="mod">
-          <ac:chgData name="NGUYỄN HOÀNG ANH" userId="4348d14c-3365-4502-8caf-233782dc487b" providerId="ADAL" clId="{6D8EC088-C7B1-46FE-BDD3-B8069C997B17}" dt="2022-11-07T02:40:09.999" v="749" actId="1076"/>
+          <ac:chgData name="NGUYỄN HOÀNG ANH" userId="4348d14c-3365-4502-8caf-233782dc487b" providerId="ADAL" clId="{6D8EC088-C7B1-46FE-BDD3-B8069C997B17}" dt="2022-11-07T15:09:29.546" v="820" actId="14100"/>
           <ac:spMkLst>
             <pc:docMk/>
             <pc:sldMk cId="289223074" sldId="263"/>
             <ac:spMk id="30" creationId="{19360E0F-3423-4538-B9FF-9C6AF5C2FDEE}"/>
           </ac:spMkLst>
         </pc:spChg>
+        <pc:spChg chg="mod">
+          <ac:chgData name="NGUYỄN HOÀNG ANH" userId="4348d14c-3365-4502-8caf-233782dc487b" providerId="ADAL" clId="{6D8EC088-C7B1-46FE-BDD3-B8069C997B17}" dt="2022-11-07T15:17:10.810" v="1858" actId="20577"/>
+          <ac:spMkLst>
+            <pc:docMk/>
+            <pc:sldMk cId="289223074" sldId="263"/>
+            <ac:spMk id="31" creationId="{288B4611-4878-4A69-B243-F82B602E56EC}"/>
+          </ac:spMkLst>
+        </pc:spChg>
+        <pc:picChg chg="mod">
+          <ac:chgData name="NGUYỄN HOÀNG ANH" userId="4348d14c-3365-4502-8caf-233782dc487b" providerId="ADAL" clId="{6D8EC088-C7B1-46FE-BDD3-B8069C997B17}" dt="2022-11-07T15:19:28.563" v="1861" actId="14826"/>
+          <ac:picMkLst>
+            <pc:docMk/>
+            <pc:sldMk cId="289223074" sldId="263"/>
+            <ac:picMk id="4" creationId="{F5A3A2CF-D50F-4286-8377-9E8868DAA411}"/>
+          </ac:picMkLst>
+        </pc:picChg>
+        <pc:picChg chg="mod">
+          <ac:chgData name="NGUYỄN HOÀNG ANH" userId="4348d14c-3365-4502-8caf-233782dc487b" providerId="ADAL" clId="{6D8EC088-C7B1-46FE-BDD3-B8069C997B17}" dt="2022-11-07T15:20:41.821" v="1862" actId="14826"/>
+          <ac:picMkLst>
+            <pc:docMk/>
+            <pc:sldMk cId="289223074" sldId="263"/>
+            <ac:picMk id="6" creationId="{D5E6920F-9BBB-4F6B-A3D6-0B99BBEE9C2C}"/>
+          </ac:picMkLst>
+        </pc:picChg>
         <pc:picChg chg="mod">
           <ac:chgData name="NGUYỄN HOÀNG ANH" userId="4348d14c-3365-4502-8caf-233782dc487b" providerId="ADAL" clId="{6D8EC088-C7B1-46FE-BDD3-B8069C997B17}" dt="2022-11-07T02:39:28.095" v="709" actId="14826"/>
           <ac:picMkLst>
@@ -17918,7 +17942,7 @@
                 <a:latin typeface="Arial" panose="020B0604020202020204" pitchFamily="34" charset="0"/>
                 <a:cs typeface="Arial" panose="020B0604020202020204" pitchFamily="34" charset="0"/>
               </a:rPr>
-              <a:t>PHÁT BIỂU BÀI TOÁN</a:t>
+              <a:t>GIỚI THIỆU BÀI TOÁN</a:t>
             </a:r>
           </a:p>
         </p:txBody>
@@ -18353,8 +18377,8 @@
         </p:nvSpPr>
         <p:spPr>
           <a:xfrm>
-            <a:off x="6096000" y="303008"/>
-            <a:ext cx="4657344" cy="707886"/>
+            <a:off x="6095999" y="303008"/>
+            <a:ext cx="4945039" cy="707886"/>
           </a:xfrm>
           <a:prstGeom prst="rect">
             <a:avLst/>
@@ -18373,7 +18397,7 @@
                 <a:latin typeface="Arial" panose="020B0604020202020204" pitchFamily="34" charset="0"/>
                 <a:cs typeface="Arial" panose="020B0604020202020204" pitchFamily="34" charset="0"/>
               </a:rPr>
-              <a:t>Phát</a:t>
+              <a:t>Giới</a:t>
             </a:r>
             <a:r>
               <a:rPr lang="en-US" sz="4000" b="1" dirty="0">
@@ -18387,7 +18411,7 @@
                 <a:latin typeface="Arial" panose="020B0604020202020204" pitchFamily="34" charset="0"/>
                 <a:cs typeface="Arial" panose="020B0604020202020204" pitchFamily="34" charset="0"/>
               </a:rPr>
-              <a:t>biểu</a:t>
+              <a:t>thiệu</a:t>
             </a:r>
             <a:r>
               <a:rPr lang="en-US" sz="4000" b="1" dirty="0">
@@ -18438,8 +18462,8 @@
         </p:nvSpPr>
         <p:spPr>
           <a:xfrm>
-            <a:off x="5668404" y="1181397"/>
-            <a:ext cx="3340608" cy="369332"/>
+            <a:off x="6095999" y="1124732"/>
+            <a:ext cx="6020167" cy="2585323"/>
           </a:xfrm>
           <a:prstGeom prst="rect">
             <a:avLst/>
@@ -18452,14 +18476,950 @@
           </a:bodyPr>
           <a:lstStyle/>
           <a:p>
-            <a:pPr algn="ctr"/>
-            <a:r>
-              <a:rPr lang="en-US">
-                <a:latin typeface="Arial" panose="020B0604020202020204" pitchFamily="34" charset="0"/>
-                <a:cs typeface="Arial" panose="020B0604020202020204" pitchFamily="34" charset="0"/>
-              </a:rPr>
-              <a:t>Ghi chú nội dung 1</a:t>
-            </a:r>
+            <a:pPr marL="285750" indent="-285750" algn="just">
+              <a:buFontTx/>
+              <a:buChar char="-"/>
+            </a:pPr>
+            <a:r>
+              <a:rPr lang="en-US" dirty="0" err="1">
+                <a:latin typeface="Arial" panose="020B0604020202020204" pitchFamily="34" charset="0"/>
+                <a:cs typeface="Arial" panose="020B0604020202020204" pitchFamily="34" charset="0"/>
+              </a:rPr>
+              <a:t>Thuật</a:t>
+            </a:r>
+            <a:r>
+              <a:rPr lang="en-US" dirty="0">
+                <a:latin typeface="Arial" panose="020B0604020202020204" pitchFamily="34" charset="0"/>
+                <a:cs typeface="Arial" panose="020B0604020202020204" pitchFamily="34" charset="0"/>
+              </a:rPr>
+              <a:t> </a:t>
+            </a:r>
+            <a:r>
+              <a:rPr lang="en-US" dirty="0" err="1">
+                <a:latin typeface="Arial" panose="020B0604020202020204" pitchFamily="34" charset="0"/>
+                <a:cs typeface="Arial" panose="020B0604020202020204" pitchFamily="34" charset="0"/>
+              </a:rPr>
+              <a:t>toán</a:t>
+            </a:r>
+            <a:r>
+              <a:rPr lang="en-US" dirty="0">
+                <a:latin typeface="Arial" panose="020B0604020202020204" pitchFamily="34" charset="0"/>
+                <a:cs typeface="Arial" panose="020B0604020202020204" pitchFamily="34" charset="0"/>
+              </a:rPr>
+              <a:t> so </a:t>
+            </a:r>
+            <a:r>
+              <a:rPr lang="en-US" dirty="0" err="1">
+                <a:latin typeface="Arial" panose="020B0604020202020204" pitchFamily="34" charset="0"/>
+                <a:cs typeface="Arial" panose="020B0604020202020204" pitchFamily="34" charset="0"/>
+              </a:rPr>
+              <a:t>khớp</a:t>
+            </a:r>
+            <a:r>
+              <a:rPr lang="en-US" dirty="0">
+                <a:latin typeface="Arial" panose="020B0604020202020204" pitchFamily="34" charset="0"/>
+                <a:cs typeface="Arial" panose="020B0604020202020204" pitchFamily="34" charset="0"/>
+              </a:rPr>
+              <a:t> </a:t>
+            </a:r>
+            <a:r>
+              <a:rPr lang="en-US" dirty="0" err="1">
+                <a:latin typeface="Arial" panose="020B0604020202020204" pitchFamily="34" charset="0"/>
+                <a:cs typeface="Arial" panose="020B0604020202020204" pitchFamily="34" charset="0"/>
+              </a:rPr>
+              <a:t>chuỗi</a:t>
+            </a:r>
+            <a:r>
+              <a:rPr lang="en-US" dirty="0">
+                <a:latin typeface="Arial" panose="020B0604020202020204" pitchFamily="34" charset="0"/>
+                <a:cs typeface="Arial" panose="020B0604020202020204" pitchFamily="34" charset="0"/>
+              </a:rPr>
+              <a:t> </a:t>
+            </a:r>
+            <a:r>
+              <a:rPr lang="en-US" dirty="0" err="1">
+                <a:latin typeface="Arial" panose="020B0604020202020204" pitchFamily="34" charset="0"/>
+                <a:cs typeface="Arial" panose="020B0604020202020204" pitchFamily="34" charset="0"/>
+              </a:rPr>
+              <a:t>là</a:t>
+            </a:r>
+            <a:r>
+              <a:rPr lang="en-US" dirty="0">
+                <a:latin typeface="Arial" panose="020B0604020202020204" pitchFamily="34" charset="0"/>
+                <a:cs typeface="Arial" panose="020B0604020202020204" pitchFamily="34" charset="0"/>
+              </a:rPr>
+              <a:t> </a:t>
+            </a:r>
+            <a:r>
+              <a:rPr lang="en-US" dirty="0" err="1">
+                <a:latin typeface="Arial" panose="020B0604020202020204" pitchFamily="34" charset="0"/>
+                <a:cs typeface="Arial" panose="020B0604020202020204" pitchFamily="34" charset="0"/>
+              </a:rPr>
+              <a:t>thuật</a:t>
+            </a:r>
+            <a:r>
+              <a:rPr lang="en-US" dirty="0">
+                <a:latin typeface="Arial" panose="020B0604020202020204" pitchFamily="34" charset="0"/>
+                <a:cs typeface="Arial" panose="020B0604020202020204" pitchFamily="34" charset="0"/>
+              </a:rPr>
+              <a:t> </a:t>
+            </a:r>
+            <a:r>
+              <a:rPr lang="en-US" dirty="0" err="1">
+                <a:latin typeface="Arial" panose="020B0604020202020204" pitchFamily="34" charset="0"/>
+                <a:cs typeface="Arial" panose="020B0604020202020204" pitchFamily="34" charset="0"/>
+              </a:rPr>
+              <a:t>toán</a:t>
+            </a:r>
+            <a:r>
+              <a:rPr lang="en-US" dirty="0">
+                <a:latin typeface="Arial" panose="020B0604020202020204" pitchFamily="34" charset="0"/>
+                <a:cs typeface="Arial" panose="020B0604020202020204" pitchFamily="34" charset="0"/>
+              </a:rPr>
+              <a:t> </a:t>
+            </a:r>
+            <a:r>
+              <a:rPr lang="en-US" dirty="0" err="1">
+                <a:latin typeface="Arial" panose="020B0604020202020204" pitchFamily="34" charset="0"/>
+                <a:cs typeface="Arial" panose="020B0604020202020204" pitchFamily="34" charset="0"/>
+              </a:rPr>
+              <a:t>tìm</a:t>
+            </a:r>
+            <a:r>
+              <a:rPr lang="en-US" dirty="0">
+                <a:latin typeface="Arial" panose="020B0604020202020204" pitchFamily="34" charset="0"/>
+                <a:cs typeface="Arial" panose="020B0604020202020204" pitchFamily="34" charset="0"/>
+              </a:rPr>
+              <a:t> </a:t>
+            </a:r>
+            <a:r>
+              <a:rPr lang="en-US" dirty="0" err="1">
+                <a:latin typeface="Arial" panose="020B0604020202020204" pitchFamily="34" charset="0"/>
+                <a:cs typeface="Arial" panose="020B0604020202020204" pitchFamily="34" charset="0"/>
+              </a:rPr>
+              <a:t>kiếm</a:t>
+            </a:r>
+            <a:r>
+              <a:rPr lang="en-US" dirty="0">
+                <a:latin typeface="Arial" panose="020B0604020202020204" pitchFamily="34" charset="0"/>
+                <a:cs typeface="Arial" panose="020B0604020202020204" pitchFamily="34" charset="0"/>
+              </a:rPr>
+              <a:t> </a:t>
+            </a:r>
+            <a:r>
+              <a:rPr lang="en-US" dirty="0" err="1">
+                <a:latin typeface="Arial" panose="020B0604020202020204" pitchFamily="34" charset="0"/>
+                <a:cs typeface="Arial" panose="020B0604020202020204" pitchFamily="34" charset="0"/>
+              </a:rPr>
+              <a:t>vị</a:t>
+            </a:r>
+            <a:r>
+              <a:rPr lang="en-US" dirty="0">
+                <a:latin typeface="Arial" panose="020B0604020202020204" pitchFamily="34" charset="0"/>
+                <a:cs typeface="Arial" panose="020B0604020202020204" pitchFamily="34" charset="0"/>
+              </a:rPr>
+              <a:t> </a:t>
+            </a:r>
+            <a:r>
+              <a:rPr lang="en-US" dirty="0" err="1">
+                <a:latin typeface="Arial" panose="020B0604020202020204" pitchFamily="34" charset="0"/>
+                <a:cs typeface="Arial" panose="020B0604020202020204" pitchFamily="34" charset="0"/>
+              </a:rPr>
+              <a:t>trí</a:t>
+            </a:r>
+            <a:r>
+              <a:rPr lang="en-US" dirty="0">
+                <a:latin typeface="Arial" panose="020B0604020202020204" pitchFamily="34" charset="0"/>
+                <a:cs typeface="Arial" panose="020B0604020202020204" pitchFamily="34" charset="0"/>
+              </a:rPr>
+              <a:t> </a:t>
+            </a:r>
+            <a:r>
+              <a:rPr lang="en-US" dirty="0" err="1">
+                <a:latin typeface="Arial" panose="020B0604020202020204" pitchFamily="34" charset="0"/>
+                <a:cs typeface="Arial" panose="020B0604020202020204" pitchFamily="34" charset="0"/>
+              </a:rPr>
+              <a:t>mà</a:t>
+            </a:r>
+            <a:r>
+              <a:rPr lang="en-US" dirty="0">
+                <a:latin typeface="Arial" panose="020B0604020202020204" pitchFamily="34" charset="0"/>
+                <a:cs typeface="Arial" panose="020B0604020202020204" pitchFamily="34" charset="0"/>
+              </a:rPr>
+              <a:t> </a:t>
+            </a:r>
+            <a:r>
+              <a:rPr lang="en-US" dirty="0" err="1">
+                <a:latin typeface="Arial" panose="020B0604020202020204" pitchFamily="34" charset="0"/>
+                <a:cs typeface="Arial" panose="020B0604020202020204" pitchFamily="34" charset="0"/>
+              </a:rPr>
+              <a:t>một</a:t>
+            </a:r>
+            <a:r>
+              <a:rPr lang="en-US" dirty="0">
+                <a:latin typeface="Arial" panose="020B0604020202020204" pitchFamily="34" charset="0"/>
+                <a:cs typeface="Arial" panose="020B0604020202020204" pitchFamily="34" charset="0"/>
+              </a:rPr>
+              <a:t> hay </a:t>
+            </a:r>
+            <a:r>
+              <a:rPr lang="en-US" dirty="0" err="1">
+                <a:latin typeface="Arial" panose="020B0604020202020204" pitchFamily="34" charset="0"/>
+                <a:cs typeface="Arial" panose="020B0604020202020204" pitchFamily="34" charset="0"/>
+              </a:rPr>
+              <a:t>nhiều</a:t>
+            </a:r>
+            <a:r>
+              <a:rPr lang="en-US" dirty="0">
+                <a:latin typeface="Arial" panose="020B0604020202020204" pitchFamily="34" charset="0"/>
+                <a:cs typeface="Arial" panose="020B0604020202020204" pitchFamily="34" charset="0"/>
+              </a:rPr>
+              <a:t> </a:t>
+            </a:r>
+            <a:r>
+              <a:rPr lang="en-US" dirty="0" err="1">
+                <a:latin typeface="Arial" panose="020B0604020202020204" pitchFamily="34" charset="0"/>
+                <a:cs typeface="Arial" panose="020B0604020202020204" pitchFamily="34" charset="0"/>
+              </a:rPr>
+              <a:t>chuỗi</a:t>
+            </a:r>
+            <a:r>
+              <a:rPr lang="en-US" dirty="0">
+                <a:latin typeface="Arial" panose="020B0604020202020204" pitchFamily="34" charset="0"/>
+                <a:cs typeface="Arial" panose="020B0604020202020204" pitchFamily="34" charset="0"/>
+              </a:rPr>
+              <a:t> </a:t>
+            </a:r>
+            <a:r>
+              <a:rPr lang="en-US" dirty="0" err="1">
+                <a:latin typeface="Arial" panose="020B0604020202020204" pitchFamily="34" charset="0"/>
+                <a:cs typeface="Arial" panose="020B0604020202020204" pitchFamily="34" charset="0"/>
+              </a:rPr>
+              <a:t>được</a:t>
+            </a:r>
+            <a:r>
+              <a:rPr lang="en-US" dirty="0">
+                <a:latin typeface="Arial" panose="020B0604020202020204" pitchFamily="34" charset="0"/>
+                <a:cs typeface="Arial" panose="020B0604020202020204" pitchFamily="34" charset="0"/>
+              </a:rPr>
+              <a:t> </a:t>
+            </a:r>
+            <a:r>
+              <a:rPr lang="en-US" dirty="0" err="1">
+                <a:latin typeface="Arial" panose="020B0604020202020204" pitchFamily="34" charset="0"/>
+                <a:cs typeface="Arial" panose="020B0604020202020204" pitchFamily="34" charset="0"/>
+              </a:rPr>
+              <a:t>tìm</a:t>
+            </a:r>
+            <a:r>
+              <a:rPr lang="en-US" dirty="0">
+                <a:latin typeface="Arial" panose="020B0604020202020204" pitchFamily="34" charset="0"/>
+                <a:cs typeface="Arial" panose="020B0604020202020204" pitchFamily="34" charset="0"/>
+              </a:rPr>
+              <a:t> </a:t>
+            </a:r>
+            <a:r>
+              <a:rPr lang="en-US" dirty="0" err="1">
+                <a:latin typeface="Arial" panose="020B0604020202020204" pitchFamily="34" charset="0"/>
+                <a:cs typeface="Arial" panose="020B0604020202020204" pitchFamily="34" charset="0"/>
+              </a:rPr>
+              <a:t>thấy</a:t>
+            </a:r>
+            <a:r>
+              <a:rPr lang="en-US" dirty="0">
+                <a:latin typeface="Arial" panose="020B0604020202020204" pitchFamily="34" charset="0"/>
+                <a:cs typeface="Arial" panose="020B0604020202020204" pitchFamily="34" charset="0"/>
+              </a:rPr>
+              <a:t> </a:t>
+            </a:r>
+            <a:r>
+              <a:rPr lang="en-US" dirty="0" err="1">
+                <a:latin typeface="Arial" panose="020B0604020202020204" pitchFamily="34" charset="0"/>
+                <a:cs typeface="Arial" panose="020B0604020202020204" pitchFamily="34" charset="0"/>
+              </a:rPr>
+              <a:t>trong</a:t>
+            </a:r>
+            <a:r>
+              <a:rPr lang="en-US" dirty="0">
+                <a:latin typeface="Arial" panose="020B0604020202020204" pitchFamily="34" charset="0"/>
+                <a:cs typeface="Arial" panose="020B0604020202020204" pitchFamily="34" charset="0"/>
+              </a:rPr>
+              <a:t> </a:t>
+            </a:r>
+            <a:r>
+              <a:rPr lang="en-US" dirty="0" err="1">
+                <a:latin typeface="Arial" panose="020B0604020202020204" pitchFamily="34" charset="0"/>
+                <a:cs typeface="Arial" panose="020B0604020202020204" pitchFamily="34" charset="0"/>
+              </a:rPr>
+              <a:t>một</a:t>
+            </a:r>
+            <a:r>
+              <a:rPr lang="en-US" dirty="0">
+                <a:latin typeface="Arial" panose="020B0604020202020204" pitchFamily="34" charset="0"/>
+                <a:cs typeface="Arial" panose="020B0604020202020204" pitchFamily="34" charset="0"/>
+              </a:rPr>
+              <a:t> </a:t>
+            </a:r>
+            <a:r>
+              <a:rPr lang="en-US" dirty="0" err="1">
+                <a:latin typeface="Arial" panose="020B0604020202020204" pitchFamily="34" charset="0"/>
+                <a:cs typeface="Arial" panose="020B0604020202020204" pitchFamily="34" charset="0"/>
+              </a:rPr>
+              <a:t>chuỗi</a:t>
+            </a:r>
+            <a:r>
+              <a:rPr lang="en-US" dirty="0">
+                <a:latin typeface="Arial" panose="020B0604020202020204" pitchFamily="34" charset="0"/>
+                <a:cs typeface="Arial" panose="020B0604020202020204" pitchFamily="34" charset="0"/>
+              </a:rPr>
+              <a:t> hay </a:t>
+            </a:r>
+            <a:r>
+              <a:rPr lang="en-US" dirty="0" err="1">
+                <a:latin typeface="Arial" panose="020B0604020202020204" pitchFamily="34" charset="0"/>
+                <a:cs typeface="Arial" panose="020B0604020202020204" pitchFamily="34" charset="0"/>
+              </a:rPr>
+              <a:t>văn</a:t>
+            </a:r>
+            <a:r>
+              <a:rPr lang="en-US" dirty="0">
+                <a:latin typeface="Arial" panose="020B0604020202020204" pitchFamily="34" charset="0"/>
+                <a:cs typeface="Arial" panose="020B0604020202020204" pitchFamily="34" charset="0"/>
+              </a:rPr>
+              <a:t> </a:t>
+            </a:r>
+            <a:r>
+              <a:rPr lang="en-US" dirty="0" err="1">
+                <a:latin typeface="Arial" panose="020B0604020202020204" pitchFamily="34" charset="0"/>
+                <a:cs typeface="Arial" panose="020B0604020202020204" pitchFamily="34" charset="0"/>
+              </a:rPr>
+              <a:t>bản</a:t>
+            </a:r>
+            <a:r>
+              <a:rPr lang="en-US" dirty="0">
+                <a:latin typeface="Arial" panose="020B0604020202020204" pitchFamily="34" charset="0"/>
+                <a:cs typeface="Arial" panose="020B0604020202020204" pitchFamily="34" charset="0"/>
+              </a:rPr>
+              <a:t> </a:t>
+            </a:r>
+            <a:r>
+              <a:rPr lang="en-US" dirty="0" err="1">
+                <a:latin typeface="Arial" panose="020B0604020202020204" pitchFamily="34" charset="0"/>
+                <a:cs typeface="Arial" panose="020B0604020202020204" pitchFamily="34" charset="0"/>
+              </a:rPr>
+              <a:t>lớn</a:t>
+            </a:r>
+            <a:r>
+              <a:rPr lang="en-US" dirty="0">
+                <a:latin typeface="Arial" panose="020B0604020202020204" pitchFamily="34" charset="0"/>
+                <a:cs typeface="Arial" panose="020B0604020202020204" pitchFamily="34" charset="0"/>
+              </a:rPr>
+              <a:t>. </a:t>
+            </a:r>
+            <a:r>
+              <a:rPr lang="en-US" dirty="0" err="1">
+                <a:latin typeface="Arial" panose="020B0604020202020204" pitchFamily="34" charset="0"/>
+                <a:cs typeface="Arial" panose="020B0604020202020204" pitchFamily="34" charset="0"/>
+              </a:rPr>
+              <a:t>Đây</a:t>
+            </a:r>
+            <a:r>
+              <a:rPr lang="en-US" dirty="0">
+                <a:latin typeface="Arial" panose="020B0604020202020204" pitchFamily="34" charset="0"/>
+                <a:cs typeface="Arial" panose="020B0604020202020204" pitchFamily="34" charset="0"/>
+              </a:rPr>
+              <a:t> </a:t>
+            </a:r>
+            <a:r>
+              <a:rPr lang="en-US" dirty="0" err="1">
+                <a:latin typeface="Arial" panose="020B0604020202020204" pitchFamily="34" charset="0"/>
+                <a:cs typeface="Arial" panose="020B0604020202020204" pitchFamily="34" charset="0"/>
+              </a:rPr>
+              <a:t>là</a:t>
+            </a:r>
+            <a:r>
+              <a:rPr lang="en-US" dirty="0">
+                <a:latin typeface="Arial" panose="020B0604020202020204" pitchFamily="34" charset="0"/>
+                <a:cs typeface="Arial" panose="020B0604020202020204" pitchFamily="34" charset="0"/>
+              </a:rPr>
+              <a:t> </a:t>
+            </a:r>
+            <a:r>
+              <a:rPr lang="en-US" dirty="0" err="1">
+                <a:latin typeface="Arial" panose="020B0604020202020204" pitchFamily="34" charset="0"/>
+                <a:cs typeface="Arial" panose="020B0604020202020204" pitchFamily="34" charset="0"/>
+              </a:rPr>
+              <a:t>một</a:t>
+            </a:r>
+            <a:r>
+              <a:rPr lang="en-US" dirty="0">
+                <a:latin typeface="Arial" panose="020B0604020202020204" pitchFamily="34" charset="0"/>
+                <a:cs typeface="Arial" panose="020B0604020202020204" pitchFamily="34" charset="0"/>
+              </a:rPr>
+              <a:t> </a:t>
+            </a:r>
+            <a:r>
+              <a:rPr lang="en-US" dirty="0" err="1">
+                <a:latin typeface="Arial" panose="020B0604020202020204" pitchFamily="34" charset="0"/>
+                <a:cs typeface="Arial" panose="020B0604020202020204" pitchFamily="34" charset="0"/>
+              </a:rPr>
+              <a:t>lớp</a:t>
+            </a:r>
+            <a:r>
+              <a:rPr lang="en-US" dirty="0">
+                <a:latin typeface="Arial" panose="020B0604020202020204" pitchFamily="34" charset="0"/>
+                <a:cs typeface="Arial" panose="020B0604020202020204" pitchFamily="34" charset="0"/>
+              </a:rPr>
+              <a:t> </a:t>
+            </a:r>
+            <a:r>
+              <a:rPr lang="en-US" dirty="0" err="1">
+                <a:latin typeface="Arial" panose="020B0604020202020204" pitchFamily="34" charset="0"/>
+                <a:cs typeface="Arial" panose="020B0604020202020204" pitchFamily="34" charset="0"/>
+              </a:rPr>
+              <a:t>thuật</a:t>
+            </a:r>
+            <a:r>
+              <a:rPr lang="en-US" dirty="0">
+                <a:latin typeface="Arial" panose="020B0604020202020204" pitchFamily="34" charset="0"/>
+                <a:cs typeface="Arial" panose="020B0604020202020204" pitchFamily="34" charset="0"/>
+              </a:rPr>
+              <a:t> </a:t>
+            </a:r>
+            <a:r>
+              <a:rPr lang="en-US" dirty="0" err="1">
+                <a:latin typeface="Arial" panose="020B0604020202020204" pitchFamily="34" charset="0"/>
+                <a:cs typeface="Arial" panose="020B0604020202020204" pitchFamily="34" charset="0"/>
+              </a:rPr>
+              <a:t>toán</a:t>
+            </a:r>
+            <a:r>
+              <a:rPr lang="en-US" dirty="0">
+                <a:latin typeface="Arial" panose="020B0604020202020204" pitchFamily="34" charset="0"/>
+                <a:cs typeface="Arial" panose="020B0604020202020204" pitchFamily="34" charset="0"/>
+              </a:rPr>
+              <a:t> </a:t>
+            </a:r>
+            <a:r>
+              <a:rPr lang="en-US" dirty="0" err="1">
+                <a:latin typeface="Arial" panose="020B0604020202020204" pitchFamily="34" charset="0"/>
+                <a:cs typeface="Arial" panose="020B0604020202020204" pitchFamily="34" charset="0"/>
+              </a:rPr>
+              <a:t>về</a:t>
+            </a:r>
+            <a:r>
+              <a:rPr lang="en-US" dirty="0">
+                <a:latin typeface="Arial" panose="020B0604020202020204" pitchFamily="34" charset="0"/>
+                <a:cs typeface="Arial" panose="020B0604020202020204" pitchFamily="34" charset="0"/>
+              </a:rPr>
+              <a:t> </a:t>
+            </a:r>
+            <a:r>
+              <a:rPr lang="en-US" dirty="0" err="1">
+                <a:latin typeface="Arial" panose="020B0604020202020204" pitchFamily="34" charset="0"/>
+                <a:cs typeface="Arial" panose="020B0604020202020204" pitchFamily="34" charset="0"/>
+              </a:rPr>
+              <a:t>chuỗi</a:t>
+            </a:r>
+            <a:r>
+              <a:rPr lang="en-US" dirty="0">
+                <a:latin typeface="Arial" panose="020B0604020202020204" pitchFamily="34" charset="0"/>
+                <a:cs typeface="Arial" panose="020B0604020202020204" pitchFamily="34" charset="0"/>
+              </a:rPr>
+              <a:t> </a:t>
+            </a:r>
+            <a:r>
+              <a:rPr lang="en-US" dirty="0" err="1">
+                <a:latin typeface="Arial" panose="020B0604020202020204" pitchFamily="34" charset="0"/>
+                <a:cs typeface="Arial" panose="020B0604020202020204" pitchFamily="34" charset="0"/>
+              </a:rPr>
+              <a:t>quan</a:t>
+            </a:r>
+            <a:r>
+              <a:rPr lang="en-US" dirty="0">
+                <a:latin typeface="Arial" panose="020B0604020202020204" pitchFamily="34" charset="0"/>
+                <a:cs typeface="Arial" panose="020B0604020202020204" pitchFamily="34" charset="0"/>
+              </a:rPr>
+              <a:t> </a:t>
+            </a:r>
+            <a:r>
+              <a:rPr lang="en-US" dirty="0" err="1">
+                <a:latin typeface="Arial" panose="020B0604020202020204" pitchFamily="34" charset="0"/>
+                <a:cs typeface="Arial" panose="020B0604020202020204" pitchFamily="34" charset="0"/>
+              </a:rPr>
+              <a:t>trọng</a:t>
+            </a:r>
+            <a:r>
+              <a:rPr lang="en-US" dirty="0">
+                <a:latin typeface="Arial" panose="020B0604020202020204" pitchFamily="34" charset="0"/>
+                <a:cs typeface="Arial" panose="020B0604020202020204" pitchFamily="34" charset="0"/>
+              </a:rPr>
+              <a:t>.</a:t>
+            </a:r>
+          </a:p>
+          <a:p>
+            <a:pPr marL="285750" indent="-285750" algn="just">
+              <a:buFontTx/>
+              <a:buChar char="-"/>
+            </a:pPr>
+            <a:r>
+              <a:rPr lang="en-US" dirty="0" err="1">
+                <a:latin typeface="Arial" panose="020B0604020202020204" pitchFamily="34" charset="0"/>
+                <a:cs typeface="Arial" panose="020B0604020202020204" pitchFamily="34" charset="0"/>
+              </a:rPr>
+              <a:t>Được</a:t>
+            </a:r>
+            <a:r>
+              <a:rPr lang="en-US" dirty="0">
+                <a:latin typeface="Arial" panose="020B0604020202020204" pitchFamily="34" charset="0"/>
+                <a:cs typeface="Arial" panose="020B0604020202020204" pitchFamily="34" charset="0"/>
+              </a:rPr>
+              <a:t> </a:t>
+            </a:r>
+            <a:r>
+              <a:rPr lang="en-US" dirty="0" err="1">
+                <a:latin typeface="Arial" panose="020B0604020202020204" pitchFamily="34" charset="0"/>
+                <a:cs typeface="Arial" panose="020B0604020202020204" pitchFamily="34" charset="0"/>
+              </a:rPr>
+              <a:t>sử</a:t>
+            </a:r>
+            <a:r>
+              <a:rPr lang="en-US" dirty="0">
+                <a:latin typeface="Arial" panose="020B0604020202020204" pitchFamily="34" charset="0"/>
+                <a:cs typeface="Arial" panose="020B0604020202020204" pitchFamily="34" charset="0"/>
+              </a:rPr>
+              <a:t> </a:t>
+            </a:r>
+            <a:r>
+              <a:rPr lang="en-US" dirty="0" err="1">
+                <a:latin typeface="Arial" panose="020B0604020202020204" pitchFamily="34" charset="0"/>
+                <a:cs typeface="Arial" panose="020B0604020202020204" pitchFamily="34" charset="0"/>
+              </a:rPr>
+              <a:t>dụng</a:t>
+            </a:r>
+            <a:r>
+              <a:rPr lang="en-US" dirty="0">
+                <a:latin typeface="Arial" panose="020B0604020202020204" pitchFamily="34" charset="0"/>
+                <a:cs typeface="Arial" panose="020B0604020202020204" pitchFamily="34" charset="0"/>
+              </a:rPr>
+              <a:t> </a:t>
+            </a:r>
+            <a:r>
+              <a:rPr lang="en-US" dirty="0" err="1">
+                <a:latin typeface="Arial" panose="020B0604020202020204" pitchFamily="34" charset="0"/>
+                <a:cs typeface="Arial" panose="020B0604020202020204" pitchFamily="34" charset="0"/>
+              </a:rPr>
+              <a:t>trong</a:t>
+            </a:r>
+            <a:r>
+              <a:rPr lang="en-US" dirty="0">
+                <a:latin typeface="Arial" panose="020B0604020202020204" pitchFamily="34" charset="0"/>
+                <a:cs typeface="Arial" panose="020B0604020202020204" pitchFamily="34" charset="0"/>
+              </a:rPr>
+              <a:t> </a:t>
+            </a:r>
+            <a:r>
+              <a:rPr lang="en-US" dirty="0" err="1">
+                <a:latin typeface="Arial" panose="020B0604020202020204" pitchFamily="34" charset="0"/>
+                <a:cs typeface="Arial" panose="020B0604020202020204" pitchFamily="34" charset="0"/>
+              </a:rPr>
+              <a:t>hầu</a:t>
+            </a:r>
+            <a:r>
+              <a:rPr lang="en-US" dirty="0">
+                <a:latin typeface="Arial" panose="020B0604020202020204" pitchFamily="34" charset="0"/>
+                <a:cs typeface="Arial" panose="020B0604020202020204" pitchFamily="34" charset="0"/>
+              </a:rPr>
+              <a:t> </a:t>
+            </a:r>
+            <a:r>
+              <a:rPr lang="en-US" dirty="0" err="1">
+                <a:latin typeface="Arial" panose="020B0604020202020204" pitchFamily="34" charset="0"/>
+                <a:cs typeface="Arial" panose="020B0604020202020204" pitchFamily="34" charset="0"/>
+              </a:rPr>
+              <a:t>hết</a:t>
+            </a:r>
+            <a:r>
+              <a:rPr lang="en-US" dirty="0">
+                <a:latin typeface="Arial" panose="020B0604020202020204" pitchFamily="34" charset="0"/>
+                <a:cs typeface="Arial" panose="020B0604020202020204" pitchFamily="34" charset="0"/>
+              </a:rPr>
+              <a:t> </a:t>
+            </a:r>
+            <a:r>
+              <a:rPr lang="en-US" dirty="0" err="1">
+                <a:latin typeface="Arial" panose="020B0604020202020204" pitchFamily="34" charset="0"/>
+                <a:cs typeface="Arial" panose="020B0604020202020204" pitchFamily="34" charset="0"/>
+              </a:rPr>
+              <a:t>các</a:t>
+            </a:r>
+            <a:r>
+              <a:rPr lang="en-US" dirty="0">
+                <a:latin typeface="Arial" panose="020B0604020202020204" pitchFamily="34" charset="0"/>
+                <a:cs typeface="Arial" panose="020B0604020202020204" pitchFamily="34" charset="0"/>
+              </a:rPr>
+              <a:t> </a:t>
+            </a:r>
+            <a:r>
+              <a:rPr lang="en-US" dirty="0" err="1">
+                <a:latin typeface="Arial" panose="020B0604020202020204" pitchFamily="34" charset="0"/>
+                <a:cs typeface="Arial" panose="020B0604020202020204" pitchFamily="34" charset="0"/>
+              </a:rPr>
+              <a:t>phần</a:t>
+            </a:r>
+            <a:r>
+              <a:rPr lang="en-US" dirty="0">
+                <a:latin typeface="Arial" panose="020B0604020202020204" pitchFamily="34" charset="0"/>
+                <a:cs typeface="Arial" panose="020B0604020202020204" pitchFamily="34" charset="0"/>
+              </a:rPr>
+              <a:t> </a:t>
+            </a:r>
+            <a:r>
+              <a:rPr lang="en-US" dirty="0" err="1">
+                <a:latin typeface="Arial" panose="020B0604020202020204" pitchFamily="34" charset="0"/>
+                <a:cs typeface="Arial" panose="020B0604020202020204" pitchFamily="34" charset="0"/>
+              </a:rPr>
+              <a:t>mềm</a:t>
+            </a:r>
+            <a:r>
+              <a:rPr lang="en-US" dirty="0">
+                <a:latin typeface="Arial" panose="020B0604020202020204" pitchFamily="34" charset="0"/>
+                <a:cs typeface="Arial" panose="020B0604020202020204" pitchFamily="34" charset="0"/>
+              </a:rPr>
+              <a:t> </a:t>
+            </a:r>
+            <a:r>
+              <a:rPr lang="en-US" dirty="0" err="1">
+                <a:latin typeface="Arial" panose="020B0604020202020204" pitchFamily="34" charset="0"/>
+                <a:cs typeface="Arial" panose="020B0604020202020204" pitchFamily="34" charset="0"/>
+              </a:rPr>
+              <a:t>ứng</a:t>
+            </a:r>
+            <a:r>
+              <a:rPr lang="en-US" dirty="0">
+                <a:latin typeface="Arial" panose="020B0604020202020204" pitchFamily="34" charset="0"/>
+                <a:cs typeface="Arial" panose="020B0604020202020204" pitchFamily="34" charset="0"/>
+              </a:rPr>
+              <a:t> </a:t>
+            </a:r>
+            <a:r>
+              <a:rPr lang="en-US" dirty="0" err="1">
+                <a:latin typeface="Arial" panose="020B0604020202020204" pitchFamily="34" charset="0"/>
+                <a:cs typeface="Arial" panose="020B0604020202020204" pitchFamily="34" charset="0"/>
+              </a:rPr>
+              <a:t>dụng</a:t>
+            </a:r>
+            <a:r>
+              <a:rPr lang="en-US" dirty="0">
+                <a:latin typeface="Arial" panose="020B0604020202020204" pitchFamily="34" charset="0"/>
+                <a:cs typeface="Arial" panose="020B0604020202020204" pitchFamily="34" charset="0"/>
+              </a:rPr>
+              <a:t>, </a:t>
+            </a:r>
+            <a:r>
+              <a:rPr lang="en-US" dirty="0" err="1">
+                <a:latin typeface="Arial" panose="020B0604020202020204" pitchFamily="34" charset="0"/>
+                <a:cs typeface="Arial" panose="020B0604020202020204" pitchFamily="34" charset="0"/>
+              </a:rPr>
+              <a:t>trải</a:t>
+            </a:r>
+            <a:r>
+              <a:rPr lang="en-US" dirty="0">
+                <a:latin typeface="Arial" panose="020B0604020202020204" pitchFamily="34" charset="0"/>
+                <a:cs typeface="Arial" panose="020B0604020202020204" pitchFamily="34" charset="0"/>
+              </a:rPr>
+              <a:t> </a:t>
+            </a:r>
+            <a:r>
+              <a:rPr lang="en-US" dirty="0" err="1">
+                <a:latin typeface="Arial" panose="020B0604020202020204" pitchFamily="34" charset="0"/>
+                <a:cs typeface="Arial" panose="020B0604020202020204" pitchFamily="34" charset="0"/>
+              </a:rPr>
+              <a:t>dài</a:t>
+            </a:r>
+            <a:r>
+              <a:rPr lang="en-US" dirty="0">
+                <a:latin typeface="Arial" panose="020B0604020202020204" pitchFamily="34" charset="0"/>
+                <a:cs typeface="Arial" panose="020B0604020202020204" pitchFamily="34" charset="0"/>
+              </a:rPr>
+              <a:t> </a:t>
+            </a:r>
+            <a:r>
+              <a:rPr lang="en-US" dirty="0" err="1">
+                <a:latin typeface="Arial" panose="020B0604020202020204" pitchFamily="34" charset="0"/>
+                <a:cs typeface="Arial" panose="020B0604020202020204" pitchFamily="34" charset="0"/>
+              </a:rPr>
+              <a:t>từ</a:t>
+            </a:r>
+            <a:r>
+              <a:rPr lang="en-US" dirty="0">
+                <a:latin typeface="Arial" panose="020B0604020202020204" pitchFamily="34" charset="0"/>
+                <a:cs typeface="Arial" panose="020B0604020202020204" pitchFamily="34" charset="0"/>
+              </a:rPr>
+              <a:t> </a:t>
+            </a:r>
+            <a:r>
+              <a:rPr lang="en-US" dirty="0" err="1">
+                <a:latin typeface="Arial" panose="020B0604020202020204" pitchFamily="34" charset="0"/>
+                <a:cs typeface="Arial" panose="020B0604020202020204" pitchFamily="34" charset="0"/>
+              </a:rPr>
+              <a:t>các</a:t>
+            </a:r>
+            <a:r>
+              <a:rPr lang="en-US" dirty="0">
+                <a:latin typeface="Arial" panose="020B0604020202020204" pitchFamily="34" charset="0"/>
+                <a:cs typeface="Arial" panose="020B0604020202020204" pitchFamily="34" charset="0"/>
+              </a:rPr>
+              <a:t> </a:t>
+            </a:r>
+            <a:r>
+              <a:rPr lang="en-US" dirty="0" err="1">
+                <a:latin typeface="Arial" panose="020B0604020202020204" pitchFamily="34" charset="0"/>
+                <a:cs typeface="Arial" panose="020B0604020202020204" pitchFamily="34" charset="0"/>
+              </a:rPr>
+              <a:t>trình</a:t>
+            </a:r>
+            <a:r>
+              <a:rPr lang="en-US" dirty="0">
+                <a:latin typeface="Arial" panose="020B0604020202020204" pitchFamily="34" charset="0"/>
+                <a:cs typeface="Arial" panose="020B0604020202020204" pitchFamily="34" charset="0"/>
+              </a:rPr>
+              <a:t> </a:t>
+            </a:r>
+            <a:r>
+              <a:rPr lang="en-US" dirty="0" err="1">
+                <a:latin typeface="Arial" panose="020B0604020202020204" pitchFamily="34" charset="0"/>
+                <a:cs typeface="Arial" panose="020B0604020202020204" pitchFamily="34" charset="0"/>
+              </a:rPr>
+              <a:t>soạn</a:t>
+            </a:r>
+            <a:r>
+              <a:rPr lang="en-US" dirty="0">
+                <a:latin typeface="Arial" panose="020B0604020202020204" pitchFamily="34" charset="0"/>
+                <a:cs typeface="Arial" panose="020B0604020202020204" pitchFamily="34" charset="0"/>
+              </a:rPr>
+              <a:t> </a:t>
+            </a:r>
+            <a:r>
+              <a:rPr lang="en-US" dirty="0" err="1">
+                <a:latin typeface="Arial" panose="020B0604020202020204" pitchFamily="34" charset="0"/>
+                <a:cs typeface="Arial" panose="020B0604020202020204" pitchFamily="34" charset="0"/>
+              </a:rPr>
+              <a:t>thảo</a:t>
+            </a:r>
+            <a:r>
+              <a:rPr lang="en-US" dirty="0">
+                <a:latin typeface="Arial" panose="020B0604020202020204" pitchFamily="34" charset="0"/>
+                <a:cs typeface="Arial" panose="020B0604020202020204" pitchFamily="34" charset="0"/>
+              </a:rPr>
+              <a:t> </a:t>
+            </a:r>
+            <a:r>
+              <a:rPr lang="en-US" dirty="0" err="1">
+                <a:latin typeface="Arial" panose="020B0604020202020204" pitchFamily="34" charset="0"/>
+                <a:cs typeface="Arial" panose="020B0604020202020204" pitchFamily="34" charset="0"/>
+              </a:rPr>
+              <a:t>văn</a:t>
+            </a:r>
+            <a:r>
+              <a:rPr lang="en-US" dirty="0">
+                <a:latin typeface="Arial" panose="020B0604020202020204" pitchFamily="34" charset="0"/>
+                <a:cs typeface="Arial" panose="020B0604020202020204" pitchFamily="34" charset="0"/>
+              </a:rPr>
+              <a:t> </a:t>
+            </a:r>
+            <a:r>
+              <a:rPr lang="en-US" dirty="0" err="1">
+                <a:latin typeface="Arial" panose="020B0604020202020204" pitchFamily="34" charset="0"/>
+                <a:cs typeface="Arial" panose="020B0604020202020204" pitchFamily="34" charset="0"/>
+              </a:rPr>
+              <a:t>bản</a:t>
+            </a:r>
+            <a:r>
+              <a:rPr lang="en-US" dirty="0">
+                <a:latin typeface="Arial" panose="020B0604020202020204" pitchFamily="34" charset="0"/>
+                <a:cs typeface="Arial" panose="020B0604020202020204" pitchFamily="34" charset="0"/>
+              </a:rPr>
+              <a:t> </a:t>
+            </a:r>
+            <a:r>
+              <a:rPr lang="en-US" dirty="0" err="1">
+                <a:latin typeface="Arial" panose="020B0604020202020204" pitchFamily="34" charset="0"/>
+                <a:cs typeface="Arial" panose="020B0604020202020204" pitchFamily="34" charset="0"/>
+              </a:rPr>
+              <a:t>đơn</a:t>
+            </a:r>
+            <a:r>
+              <a:rPr lang="en-US" dirty="0">
+                <a:latin typeface="Arial" panose="020B0604020202020204" pitchFamily="34" charset="0"/>
+                <a:cs typeface="Arial" panose="020B0604020202020204" pitchFamily="34" charset="0"/>
+              </a:rPr>
+              <a:t> </a:t>
+            </a:r>
+            <a:r>
+              <a:rPr lang="en-US" dirty="0" err="1">
+                <a:latin typeface="Arial" panose="020B0604020202020204" pitchFamily="34" charset="0"/>
+                <a:cs typeface="Arial" panose="020B0604020202020204" pitchFamily="34" charset="0"/>
+              </a:rPr>
+              <a:t>giản</a:t>
+            </a:r>
+            <a:r>
+              <a:rPr lang="en-US" dirty="0">
+                <a:latin typeface="Arial" panose="020B0604020202020204" pitchFamily="34" charset="0"/>
+                <a:cs typeface="Arial" panose="020B0604020202020204" pitchFamily="34" charset="0"/>
+              </a:rPr>
+              <a:t> </a:t>
+            </a:r>
+            <a:r>
+              <a:rPr lang="en-US" dirty="0" err="1">
+                <a:latin typeface="Arial" panose="020B0604020202020204" pitchFamily="34" charset="0"/>
+                <a:cs typeface="Arial" panose="020B0604020202020204" pitchFamily="34" charset="0"/>
+              </a:rPr>
+              <a:t>đến</a:t>
+            </a:r>
+            <a:r>
+              <a:rPr lang="en-US" dirty="0">
+                <a:latin typeface="Arial" panose="020B0604020202020204" pitchFamily="34" charset="0"/>
+                <a:cs typeface="Arial" panose="020B0604020202020204" pitchFamily="34" charset="0"/>
+              </a:rPr>
+              <a:t> </a:t>
+            </a:r>
+            <a:r>
+              <a:rPr lang="en-US" dirty="0" err="1">
+                <a:latin typeface="Arial" panose="020B0604020202020204" pitchFamily="34" charset="0"/>
+                <a:cs typeface="Arial" panose="020B0604020202020204" pitchFamily="34" charset="0"/>
+              </a:rPr>
+              <a:t>các</a:t>
+            </a:r>
+            <a:r>
+              <a:rPr lang="en-US" dirty="0">
+                <a:latin typeface="Arial" panose="020B0604020202020204" pitchFamily="34" charset="0"/>
+                <a:cs typeface="Arial" panose="020B0604020202020204" pitchFamily="34" charset="0"/>
+              </a:rPr>
+              <a:t> </a:t>
+            </a:r>
+            <a:r>
+              <a:rPr lang="en-US" dirty="0" err="1">
+                <a:latin typeface="Arial" panose="020B0604020202020204" pitchFamily="34" charset="0"/>
+                <a:cs typeface="Arial" panose="020B0604020202020204" pitchFamily="34" charset="0"/>
+              </a:rPr>
+              <a:t>hệ</a:t>
+            </a:r>
+            <a:r>
+              <a:rPr lang="en-US" dirty="0">
+                <a:latin typeface="Arial" panose="020B0604020202020204" pitchFamily="34" charset="0"/>
+                <a:cs typeface="Arial" panose="020B0604020202020204" pitchFamily="34" charset="0"/>
+              </a:rPr>
+              <a:t> </a:t>
+            </a:r>
+            <a:r>
+              <a:rPr lang="en-US" dirty="0" err="1">
+                <a:latin typeface="Arial" panose="020B0604020202020204" pitchFamily="34" charset="0"/>
+                <a:cs typeface="Arial" panose="020B0604020202020204" pitchFamily="34" charset="0"/>
+              </a:rPr>
+              <a:t>thống</a:t>
+            </a:r>
+            <a:r>
+              <a:rPr lang="en-US" dirty="0">
+                <a:latin typeface="Arial" panose="020B0604020202020204" pitchFamily="34" charset="0"/>
+                <a:cs typeface="Arial" panose="020B0604020202020204" pitchFamily="34" charset="0"/>
+              </a:rPr>
+              <a:t> </a:t>
+            </a:r>
+            <a:r>
+              <a:rPr lang="en-US" dirty="0" err="1">
+                <a:latin typeface="Arial" panose="020B0604020202020204" pitchFamily="34" charset="0"/>
+                <a:cs typeface="Arial" panose="020B0604020202020204" pitchFamily="34" charset="0"/>
+              </a:rPr>
+              <a:t>phát</a:t>
+            </a:r>
+            <a:r>
+              <a:rPr lang="en-US" dirty="0">
+                <a:latin typeface="Arial" panose="020B0604020202020204" pitchFamily="34" charset="0"/>
+                <a:cs typeface="Arial" panose="020B0604020202020204" pitchFamily="34" charset="0"/>
+              </a:rPr>
+              <a:t> </a:t>
+            </a:r>
+            <a:r>
+              <a:rPr lang="en-US" dirty="0" err="1">
+                <a:latin typeface="Arial" panose="020B0604020202020204" pitchFamily="34" charset="0"/>
+                <a:cs typeface="Arial" panose="020B0604020202020204" pitchFamily="34" charset="0"/>
+              </a:rPr>
+              <a:t>hiện</a:t>
+            </a:r>
+            <a:r>
+              <a:rPr lang="en-US" dirty="0">
+                <a:latin typeface="Arial" panose="020B0604020202020204" pitchFamily="34" charset="0"/>
+                <a:cs typeface="Arial" panose="020B0604020202020204" pitchFamily="34" charset="0"/>
+              </a:rPr>
+              <a:t> </a:t>
+            </a:r>
+            <a:r>
+              <a:rPr lang="en-US" dirty="0" err="1">
+                <a:latin typeface="Arial" panose="020B0604020202020204" pitchFamily="34" charset="0"/>
+                <a:cs typeface="Arial" panose="020B0604020202020204" pitchFamily="34" charset="0"/>
+              </a:rPr>
+              <a:t>xâm</a:t>
+            </a:r>
+            <a:r>
+              <a:rPr lang="en-US" dirty="0">
+                <a:latin typeface="Arial" panose="020B0604020202020204" pitchFamily="34" charset="0"/>
+                <a:cs typeface="Arial" panose="020B0604020202020204" pitchFamily="34" charset="0"/>
+              </a:rPr>
+              <a:t> </a:t>
+            </a:r>
+            <a:r>
+              <a:rPr lang="en-US" dirty="0" err="1">
+                <a:latin typeface="Arial" panose="020B0604020202020204" pitchFamily="34" charset="0"/>
+                <a:cs typeface="Arial" panose="020B0604020202020204" pitchFamily="34" charset="0"/>
+              </a:rPr>
+              <a:t>nhập</a:t>
+            </a:r>
+            <a:r>
+              <a:rPr lang="en-US" dirty="0">
+                <a:latin typeface="Arial" panose="020B0604020202020204" pitchFamily="34" charset="0"/>
+                <a:cs typeface="Arial" panose="020B0604020202020204" pitchFamily="34" charset="0"/>
+              </a:rPr>
+              <a:t> </a:t>
+            </a:r>
+            <a:r>
+              <a:rPr lang="en-US" dirty="0" err="1">
+                <a:latin typeface="Arial" panose="020B0604020202020204" pitchFamily="34" charset="0"/>
+                <a:cs typeface="Arial" panose="020B0604020202020204" pitchFamily="34" charset="0"/>
+              </a:rPr>
+              <a:t>phức</a:t>
+            </a:r>
+            <a:r>
+              <a:rPr lang="en-US" dirty="0">
+                <a:latin typeface="Arial" panose="020B0604020202020204" pitchFamily="34" charset="0"/>
+                <a:cs typeface="Arial" panose="020B0604020202020204" pitchFamily="34" charset="0"/>
+              </a:rPr>
+              <a:t> </a:t>
+            </a:r>
+            <a:r>
+              <a:rPr lang="en-US" dirty="0" err="1">
+                <a:latin typeface="Arial" panose="020B0604020202020204" pitchFamily="34" charset="0"/>
+                <a:cs typeface="Arial" panose="020B0604020202020204" pitchFamily="34" charset="0"/>
+              </a:rPr>
+              <a:t>tạp</a:t>
+            </a:r>
+            <a:r>
+              <a:rPr lang="en-US" dirty="0">
+                <a:latin typeface="Arial" panose="020B0604020202020204" pitchFamily="34" charset="0"/>
+                <a:cs typeface="Arial" panose="020B0604020202020204" pitchFamily="34" charset="0"/>
+              </a:rPr>
+              <a:t> (NIDS).</a:t>
+            </a:r>
+          </a:p>
+          <a:p>
+            <a:pPr marL="285750" indent="-285750" algn="just">
+              <a:buFontTx/>
+              <a:buChar char="-"/>
+            </a:pPr>
+            <a:endParaRPr lang="en-US" dirty="0">
+              <a:latin typeface="Arial" panose="020B0604020202020204" pitchFamily="34" charset="0"/>
+              <a:cs typeface="Arial" panose="020B0604020202020204" pitchFamily="34" charset="0"/>
+            </a:endParaRPr>
           </a:p>
         </p:txBody>
       </p:sp>
@@ -18477,7 +19437,7 @@
           </p:cNvPicPr>
           <p:nvPr/>
         </p:nvPicPr>
-        <p:blipFill rotWithShape="1">
+        <p:blipFill>
           <a:blip r:embed="rId4">
             <a:extLst>
               <a:ext uri="{28A0092B-C50C-407E-A947-70E740481C1C}">
@@ -18485,7 +19445,7 @@
               </a:ext>
             </a:extLst>
           </a:blip>
-          <a:srcRect l="22418" t="981" r="24418" b="-981"/>
+          <a:srcRect l="12405" r="12405"/>
           <a:stretch/>
         </p:blipFill>
         <p:spPr>
@@ -18502,7 +19462,7 @@
       </p:pic>
       <p:pic>
         <p:nvPicPr>
-          <p:cNvPr id="6" name="Hình ảnh 5" descr="Ảnh có chứa văn bản, bơi lội, tối, đáy đại dương&#10;&#10;Mô tả được tạo tự động">
+          <p:cNvPr id="6" name="Hình ảnh 5">
             <a:extLst>
               <a:ext uri="{FF2B5EF4-FFF2-40B4-BE49-F238E27FC236}">
                 <a16:creationId xmlns:a16="http://schemas.microsoft.com/office/drawing/2014/main" id="{D5E6920F-9BBB-4F6B-A3D6-0B99BBEE9C2C}"/>
@@ -18514,7 +19474,7 @@
           </p:cNvPicPr>
           <p:nvPr/>
         </p:nvPicPr>
-        <p:blipFill rotWithShape="1">
+        <p:blipFill>
           <a:blip r:embed="rId5">
             <a:extLst>
               <a:ext uri="{28A0092B-C50C-407E-A947-70E740481C1C}">
@@ -18522,7 +19482,7 @@
               </a:ext>
             </a:extLst>
           </a:blip>
-          <a:srcRect l="20343" r="27107"/>
+          <a:srcRect l="26982" r="26982"/>
           <a:stretch/>
         </p:blipFill>
         <p:spPr>
@@ -19065,6 +20025,128 @@
                                         <p:strVal val="visible"/>
                                       </p:to>
                                     </p:set>
+                                  </p:childTnLst>
+                                </p:cTn>
+                              </p:par>
+                            </p:childTnLst>
+                          </p:cTn>
+                        </p:par>
+                      </p:childTnLst>
+                    </p:cTn>
+                  </p:par>
+                  <p:par>
+                    <p:cTn id="21" fill="hold">
+                      <p:stCondLst>
+                        <p:cond delay="indefinite"/>
+                      </p:stCondLst>
+                      <p:childTnLst>
+                        <p:par>
+                          <p:cTn id="22" fill="hold">
+                            <p:stCondLst>
+                              <p:cond delay="0"/>
+                            </p:stCondLst>
+                            <p:childTnLst>
+                              <p:par>
+                                <p:cTn id="23" presetID="16" presetClass="entr" presetSubtype="21" fill="hold" nodeType="clickEffect">
+                                  <p:stCondLst>
+                                    <p:cond delay="0"/>
+                                  </p:stCondLst>
+                                  <p:childTnLst>
+                                    <p:set>
+                                      <p:cBhvr>
+                                        <p:cTn id="24" dur="1" fill="hold">
+                                          <p:stCondLst>
+                                            <p:cond delay="0"/>
+                                          </p:stCondLst>
+                                        </p:cTn>
+                                        <p:tgtEl>
+                                          <p:spTgt spid="31">
+                                            <p:txEl>
+                                              <p:pRg st="0" end="0"/>
+                                            </p:txEl>
+                                          </p:spTgt>
+                                        </p:tgtEl>
+                                        <p:attrNameLst>
+                                          <p:attrName>style.visibility</p:attrName>
+                                        </p:attrNameLst>
+                                      </p:cBhvr>
+                                      <p:to>
+                                        <p:strVal val="visible"/>
+                                      </p:to>
+                                    </p:set>
+                                    <p:animEffect transition="in" filter="barn(inVertical)">
+                                      <p:cBhvr>
+                                        <p:cTn id="25" dur="500"/>
+                                        <p:tgtEl>
+                                          <p:spTgt spid="31">
+                                            <p:txEl>
+                                              <p:pRg st="0" end="0"/>
+                                            </p:txEl>
+                                          </p:spTgt>
+                                        </p:tgtEl>
+                                      </p:cBhvr>
+                                    </p:animEffect>
+                                  </p:childTnLst>
+                                </p:cTn>
+                              </p:par>
+                            </p:childTnLst>
+                          </p:cTn>
+                        </p:par>
+                      </p:childTnLst>
+                    </p:cTn>
+                  </p:par>
+                  <p:par>
+                    <p:cTn id="26" fill="hold">
+                      <p:stCondLst>
+                        <p:cond delay="indefinite"/>
+                      </p:stCondLst>
+                      <p:childTnLst>
+                        <p:par>
+                          <p:cTn id="27" fill="hold">
+                            <p:stCondLst>
+                              <p:cond delay="0"/>
+                            </p:stCondLst>
+                            <p:childTnLst>
+                              <p:par>
+                                <p:cTn id="28" presetID="16" presetClass="entr" presetSubtype="21" fill="hold" nodeType="clickEffect">
+                                  <p:stCondLst>
+                                    <p:cond delay="0"/>
+                                  </p:stCondLst>
+                                  <p:childTnLst>
+                                    <p:set>
+                                      <p:cBhvr>
+                                        <p:cTn id="29" dur="1" fill="hold">
+                                          <p:stCondLst>
+                                            <p:cond delay="0"/>
+                                          </p:stCondLst>
+                                        </p:cTn>
+                                        <p:tgtEl>
+                                          <p:spTgt spid="31">
+                                            <p:txEl>
+                                              <p:pRg st="1" end="1"/>
+                                            </p:txEl>
+                                          </p:spTgt>
+                                        </p:tgtEl>
+                                        <p:attrNameLst>
+                                          <p:attrName>style.visibility</p:attrName>
+                                        </p:attrNameLst>
+                                      </p:cBhvr>
+                                      <p:to>
+                                        <p:strVal val="visible"/>
+                                      </p:to>
+                                    </p:set>
+                                    <p:animEffect transition="in" filter="barn(inVertical)">
+                                      <p:cBhvr>
+                                        <p:cTn id="30" dur="500"/>
+                                        <p:tgtEl>
+                                          <p:spTgt spid="31">
+                                            <p:txEl>
+                                              <p:pRg st="1" end="1"/>
+                                            </p:txEl>
+                                          </p:spTgt>
+                                        </p:tgtEl>
+                                      </p:cBhvr>
+                                    </p:animEffect>
                                   </p:childTnLst>
                                 </p:cTn>
                               </p:par>
